--- a/XPlanningEvaluation/data/mobilerobot-legend.pptx
+++ b/XPlanningEvaluation/data/mobilerobot-legend.pptx
@@ -5509,7 +5509,7 @@
               <a:prstGeom prst="line">
                 <a:avLst/>
               </a:prstGeom>
-              <a:ln w="57150">
+              <a:ln w="38100">
                 <a:solidFill>
                   <a:schemeClr val="tx1"/>
                 </a:solidFill>
